--- a/2차 피피티.pptx
+++ b/2차 피피티.pptx
@@ -8791,21 +8791,6 @@
                   </a:rPr>
                   <a:t>02</a:t>
                 </a:r>
-                <a:endParaRPr lang="en-US" altLang="ko-KR" sz="2400" dirty="0" smtClean="0">
-                  <a:ln>
-                    <a:solidFill>
-                      <a:schemeClr val="accent1">
-                        <a:shade val="50000"/>
-                        <a:alpha val="0"/>
-                      </a:schemeClr>
-                    </a:solidFill>
-                  </a:ln>
-                  <a:solidFill>
-                    <a:schemeClr val="bg1"/>
-                  </a:solidFill>
-                  <a:latin typeface="HY나무B" pitchFamily="18" charset="-127"/>
-                  <a:ea typeface="HY나무B" pitchFamily="18" charset="-127"/>
-                </a:endParaRPr>
               </a:p>
             </p:txBody>
           </p:sp>
@@ -9084,21 +9069,6 @@
                 </a:rPr>
                 <a:t>03</a:t>
               </a:r>
-              <a:endParaRPr lang="en-US" altLang="ko-KR" sz="4000" dirty="0" smtClean="0">
-                <a:ln>
-                  <a:solidFill>
-                    <a:schemeClr val="accent1">
-                      <a:shade val="50000"/>
-                      <a:alpha val="0"/>
-                    </a:schemeClr>
-                  </a:solidFill>
-                </a:ln>
-                <a:solidFill>
-                  <a:schemeClr val="bg1"/>
-                </a:solidFill>
-                <a:latin typeface="HY나무B" pitchFamily="18" charset="-127"/>
-                <a:ea typeface="HY나무B" pitchFamily="18" charset="-127"/>
-              </a:endParaRPr>
             </a:p>
             <a:p>
               <a:pPr algn="ctr"/>
@@ -10192,25 +10162,7 @@
                     <a:latin typeface="HY나무B" pitchFamily="18" charset="-127"/>
                     <a:ea typeface="HY나무B" pitchFamily="18" charset="-127"/>
                   </a:rPr>
-                  <a:t>프로그램 </a:t>
-                </a:r>
-                <a:r>
-                  <a:rPr lang="ko-KR" altLang="en-US" sz="1600" dirty="0" smtClean="0">
-                    <a:ln>
-                      <a:solidFill>
-                        <a:schemeClr val="accent1">
-                          <a:shade val="50000"/>
-                          <a:alpha val="0"/>
-                        </a:schemeClr>
-                      </a:solidFill>
-                    </a:ln>
-                    <a:solidFill>
-                      <a:schemeClr val="bg1"/>
-                    </a:solidFill>
-                    <a:latin typeface="HY나무B" pitchFamily="18" charset="-127"/>
-                    <a:ea typeface="HY나무B" pitchFamily="18" charset="-127"/>
-                  </a:rPr>
-                  <a:t>매뉴</a:t>
+                  <a:t>프로그램 매뉴</a:t>
                 </a:r>
                 <a:r>
                   <a:rPr lang="ko-KR" altLang="en-US" sz="1600" dirty="0">
@@ -10309,21 +10261,6 @@
                   </a:rPr>
                   <a:t>03</a:t>
                 </a:r>
-                <a:endParaRPr lang="en-US" altLang="ko-KR" sz="2400" dirty="0" smtClean="0">
-                  <a:ln>
-                    <a:solidFill>
-                      <a:schemeClr val="accent1">
-                        <a:shade val="50000"/>
-                        <a:alpha val="0"/>
-                      </a:schemeClr>
-                    </a:solidFill>
-                  </a:ln>
-                  <a:solidFill>
-                    <a:schemeClr val="bg1"/>
-                  </a:solidFill>
-                  <a:latin typeface="HY나무B" pitchFamily="18" charset="-127"/>
-                  <a:ea typeface="HY나무B" pitchFamily="18" charset="-127"/>
-                </a:endParaRPr>
               </a:p>
             </p:txBody>
           </p:sp>
@@ -10806,25 +10743,7 @@
                   <a:latin typeface="HY나무B" pitchFamily="18" charset="-127"/>
                   <a:ea typeface="HY나무B" pitchFamily="18" charset="-127"/>
                 </a:rPr>
-                <a:t> </a:t>
-              </a:r>
-              <a:r>
-                <a:rPr lang="ko-KR" altLang="en-US" sz="3200" dirty="0" smtClean="0">
-                  <a:ln>
-                    <a:solidFill>
-                      <a:schemeClr val="accent1">
-                        <a:shade val="50000"/>
-                        <a:alpha val="0"/>
-                      </a:schemeClr>
-                    </a:solidFill>
-                  </a:ln>
-                  <a:solidFill>
-                    <a:srgbClr val="00B050"/>
-                  </a:solidFill>
-                  <a:latin typeface="HY나무B" pitchFamily="18" charset="-127"/>
-                  <a:ea typeface="HY나무B" pitchFamily="18" charset="-127"/>
-                </a:rPr>
-                <a:t>완료</a:t>
+                <a:t> 완료</a:t>
               </a:r>
               <a:endParaRPr lang="ko-KR" altLang="en-US" sz="3200" dirty="0">
                 <a:ln>
@@ -11066,21 +10985,6 @@
                 </a:rPr>
                 <a:t>인</a:t>
               </a:r>
-              <a:endParaRPr lang="ko-KR" altLang="en-US" sz="2000" dirty="0">
-                <a:ln>
-                  <a:solidFill>
-                    <a:schemeClr val="accent1">
-                      <a:shade val="50000"/>
-                      <a:alpha val="0"/>
-                    </a:schemeClr>
-                  </a:solidFill>
-                </a:ln>
-                <a:solidFill>
-                  <a:srgbClr val="FFC000"/>
-                </a:solidFill>
-                <a:latin typeface="HY나무B" pitchFamily="18" charset="-127"/>
-                <a:ea typeface="HY나무B" pitchFamily="18" charset="-127"/>
-              </a:endParaRPr>
             </a:p>
           </p:txBody>
         </p:sp>
@@ -11320,24 +11224,6 @@
                 </a:rPr>
                 <a:t>보</a:t>
               </a:r>
-              <a:endParaRPr lang="ko-KR" altLang="en-US" sz="2000" dirty="0">
-                <a:ln>
-                  <a:solidFill>
-                    <a:schemeClr val="accent1">
-                      <a:shade val="50000"/>
-                      <a:alpha val="0"/>
-                    </a:schemeClr>
-                  </a:solidFill>
-                </a:ln>
-                <a:solidFill>
-                  <a:schemeClr val="tx1">
-                    <a:lumMod val="50000"/>
-                    <a:lumOff val="50000"/>
-                  </a:schemeClr>
-                </a:solidFill>
-                <a:latin typeface="HY나무B" pitchFamily="18" charset="-127"/>
-                <a:ea typeface="HY나무B" pitchFamily="18" charset="-127"/>
-              </a:endParaRPr>
             </a:p>
           </p:txBody>
         </p:sp>
@@ -11782,25 +11668,7 @@
                     <a:latin typeface="HY나무B" pitchFamily="18" charset="-127"/>
                     <a:ea typeface="HY나무B" pitchFamily="18" charset="-127"/>
                   </a:rPr>
-                  <a:t>프로그램 </a:t>
-                </a:r>
-                <a:r>
-                  <a:rPr lang="ko-KR" altLang="en-US" sz="1600" dirty="0" smtClean="0">
-                    <a:ln>
-                      <a:solidFill>
-                        <a:schemeClr val="accent1">
-                          <a:shade val="50000"/>
-                          <a:alpha val="0"/>
-                        </a:schemeClr>
-                      </a:solidFill>
-                    </a:ln>
-                    <a:solidFill>
-                      <a:schemeClr val="bg1"/>
-                    </a:solidFill>
-                    <a:latin typeface="HY나무B" pitchFamily="18" charset="-127"/>
-                    <a:ea typeface="HY나무B" pitchFamily="18" charset="-127"/>
-                  </a:rPr>
-                  <a:t>매뉴</a:t>
+                  <a:t>프로그램 매뉴</a:t>
                 </a:r>
                 <a:r>
                   <a:rPr lang="ko-KR" altLang="en-US" sz="1600" dirty="0">
@@ -11899,21 +11767,6 @@
                   </a:rPr>
                   <a:t>03</a:t>
                 </a:r>
-                <a:endParaRPr lang="en-US" altLang="ko-KR" sz="2400" dirty="0" smtClean="0">
-                  <a:ln>
-                    <a:solidFill>
-                      <a:schemeClr val="accent1">
-                        <a:shade val="50000"/>
-                        <a:alpha val="0"/>
-                      </a:schemeClr>
-                    </a:solidFill>
-                  </a:ln>
-                  <a:solidFill>
-                    <a:schemeClr val="bg1"/>
-                  </a:solidFill>
-                  <a:latin typeface="HY나무B" pitchFamily="18" charset="-127"/>
-                  <a:ea typeface="HY나무B" pitchFamily="18" charset="-127"/>
-                </a:endParaRPr>
               </a:p>
             </p:txBody>
           </p:sp>
@@ -12561,7 +12414,7 @@
                 <a:latin typeface="HY나무B" pitchFamily="18" charset="-127"/>
                 <a:ea typeface="HY나무B" pitchFamily="18" charset="-127"/>
               </a:rPr>
-              <a:t>보안하고 </a:t>
+              <a:t>보완하고 </a:t>
             </a:r>
             <a:r>
               <a:rPr lang="ko-KR" altLang="en-US" sz="2700" dirty="0" err="1" smtClean="0">
@@ -13432,25 +13285,7 @@
                     <a:latin typeface="HY나무B" pitchFamily="18" charset="-127"/>
                     <a:ea typeface="HY나무B" pitchFamily="18" charset="-127"/>
                   </a:rPr>
-                  <a:t>프로그램 </a:t>
-                </a:r>
-                <a:r>
-                  <a:rPr lang="ko-KR" altLang="en-US" sz="1600" dirty="0" smtClean="0">
-                    <a:ln>
-                      <a:solidFill>
-                        <a:schemeClr val="accent1">
-                          <a:shade val="50000"/>
-                          <a:alpha val="0"/>
-                        </a:schemeClr>
-                      </a:solidFill>
-                    </a:ln>
-                    <a:solidFill>
-                      <a:schemeClr val="bg1"/>
-                    </a:solidFill>
-                    <a:latin typeface="HY나무B" pitchFamily="18" charset="-127"/>
-                    <a:ea typeface="HY나무B" pitchFamily="18" charset="-127"/>
-                  </a:rPr>
-                  <a:t>매뉴</a:t>
+                  <a:t>프로그램 매뉴</a:t>
                 </a:r>
                 <a:r>
                   <a:rPr lang="ko-KR" altLang="en-US" sz="1600" dirty="0">
@@ -13549,21 +13384,6 @@
                   </a:rPr>
                   <a:t>03</a:t>
                 </a:r>
-                <a:endParaRPr lang="en-US" altLang="ko-KR" sz="2400" dirty="0" smtClean="0">
-                  <a:ln>
-                    <a:solidFill>
-                      <a:schemeClr val="accent1">
-                        <a:shade val="50000"/>
-                        <a:alpha val="0"/>
-                      </a:schemeClr>
-                    </a:solidFill>
-                  </a:ln>
-                  <a:solidFill>
-                    <a:schemeClr val="bg1"/>
-                  </a:solidFill>
-                  <a:latin typeface="HY나무B" pitchFamily="18" charset="-127"/>
-                  <a:ea typeface="HY나무B" pitchFamily="18" charset="-127"/>
-                </a:endParaRPr>
               </a:p>
             </p:txBody>
           </p:sp>
@@ -15348,21 +15168,6 @@
                 </a:rPr>
                 <a:t>?</a:t>
               </a:r>
-              <a:endParaRPr lang="en-US" altLang="ko-KR" sz="2000" dirty="0" smtClean="0">
-                <a:ln>
-                  <a:solidFill>
-                    <a:schemeClr val="accent1">
-                      <a:shade val="50000"/>
-                      <a:alpha val="0"/>
-                    </a:schemeClr>
-                  </a:solidFill>
-                </a:ln>
-                <a:solidFill>
-                  <a:schemeClr val="bg1"/>
-                </a:solidFill>
-                <a:latin typeface="HY나무B" pitchFamily="18" charset="-127"/>
-                <a:ea typeface="HY나무B" pitchFamily="18" charset="-127"/>
-              </a:endParaRPr>
             </a:p>
           </p:txBody>
         </p:sp>
@@ -15543,21 +15348,6 @@
                   </a:rPr>
                   <a:t>?</a:t>
                 </a:r>
-                <a:endParaRPr lang="en-US" altLang="ko-KR" sz="1600" dirty="0" smtClean="0">
-                  <a:ln>
-                    <a:solidFill>
-                      <a:schemeClr val="accent1">
-                        <a:shade val="50000"/>
-                        <a:alpha val="0"/>
-                      </a:schemeClr>
-                    </a:solidFill>
-                  </a:ln>
-                  <a:solidFill>
-                    <a:schemeClr val="bg1"/>
-                  </a:solidFill>
-                  <a:latin typeface="HY나무B" pitchFamily="18" charset="-127"/>
-                  <a:ea typeface="HY나무B" pitchFamily="18" charset="-127"/>
-                </a:endParaRPr>
               </a:p>
             </p:txBody>
           </p:sp>
@@ -17345,21 +17135,6 @@
                   </a:rPr>
                   <a:t>?</a:t>
                 </a:r>
-                <a:endParaRPr lang="en-US" altLang="ko-KR" sz="1600" dirty="0" smtClean="0">
-                  <a:ln>
-                    <a:solidFill>
-                      <a:schemeClr val="accent1">
-                        <a:shade val="50000"/>
-                        <a:alpha val="0"/>
-                      </a:schemeClr>
-                    </a:solidFill>
-                  </a:ln>
-                  <a:solidFill>
-                    <a:schemeClr val="bg1"/>
-                  </a:solidFill>
-                  <a:latin typeface="HY나무B" pitchFamily="18" charset="-127"/>
-                  <a:ea typeface="HY나무B" pitchFamily="18" charset="-127"/>
-                </a:endParaRPr>
               </a:p>
             </p:txBody>
           </p:sp>
@@ -18281,21 +18056,6 @@
                 </a:rPr>
                 <a:t>02</a:t>
               </a:r>
-              <a:endParaRPr lang="en-US" altLang="ko-KR" sz="4000" dirty="0" smtClean="0">
-                <a:ln>
-                  <a:solidFill>
-                    <a:schemeClr val="accent1">
-                      <a:shade val="50000"/>
-                      <a:alpha val="0"/>
-                    </a:schemeClr>
-                  </a:solidFill>
-                </a:ln>
-                <a:solidFill>
-                  <a:schemeClr val="bg1"/>
-                </a:solidFill>
-                <a:latin typeface="HY나무B" pitchFamily="18" charset="-127"/>
-                <a:ea typeface="HY나무B" pitchFamily="18" charset="-127"/>
-              </a:endParaRPr>
             </a:p>
             <a:p>
               <a:pPr algn="ctr"/>
@@ -18850,21 +18610,6 @@
                   </a:rPr>
                   <a:t>02</a:t>
                 </a:r>
-                <a:endParaRPr lang="en-US" altLang="ko-KR" sz="2400" dirty="0" smtClean="0">
-                  <a:ln>
-                    <a:solidFill>
-                      <a:schemeClr val="accent1">
-                        <a:shade val="50000"/>
-                        <a:alpha val="0"/>
-                      </a:schemeClr>
-                    </a:solidFill>
-                  </a:ln>
-                  <a:solidFill>
-                    <a:schemeClr val="bg1"/>
-                  </a:solidFill>
-                  <a:latin typeface="HY나무B" pitchFamily="18" charset="-127"/>
-                  <a:ea typeface="HY나무B" pitchFamily="18" charset="-127"/>
-                </a:endParaRPr>
               </a:p>
             </p:txBody>
           </p:sp>
@@ -20268,21 +20013,6 @@
                   </a:rPr>
                   <a:t>02</a:t>
                 </a:r>
-                <a:endParaRPr lang="en-US" altLang="ko-KR" sz="2400" dirty="0" smtClean="0">
-                  <a:ln>
-                    <a:solidFill>
-                      <a:schemeClr val="accent1">
-                        <a:shade val="50000"/>
-                        <a:alpha val="0"/>
-                      </a:schemeClr>
-                    </a:solidFill>
-                  </a:ln>
-                  <a:solidFill>
-                    <a:schemeClr val="bg1"/>
-                  </a:solidFill>
-                  <a:latin typeface="HY나무B" pitchFamily="18" charset="-127"/>
-                  <a:ea typeface="HY나무B" pitchFamily="18" charset="-127"/>
-                </a:endParaRPr>
               </a:p>
             </p:txBody>
           </p:sp>
@@ -26876,21 +26606,6 @@
                   </a:rPr>
                   <a:t>02</a:t>
                 </a:r>
-                <a:endParaRPr lang="en-US" altLang="ko-KR" sz="2400" dirty="0" smtClean="0">
-                  <a:ln>
-                    <a:solidFill>
-                      <a:schemeClr val="accent1">
-                        <a:shade val="50000"/>
-                        <a:alpha val="0"/>
-                      </a:schemeClr>
-                    </a:solidFill>
-                  </a:ln>
-                  <a:solidFill>
-                    <a:schemeClr val="bg1"/>
-                  </a:solidFill>
-                  <a:latin typeface="HY나무B" pitchFamily="18" charset="-127"/>
-                  <a:ea typeface="HY나무B" pitchFamily="18" charset="-127"/>
-                </a:endParaRPr>
               </a:p>
             </p:txBody>
           </p:sp>
